--- a/lecture/intro-to-R_part4.pptx
+++ b/lecture/intro-to-R_part4.pptx
@@ -37,6 +37,10 @@
     <p:sldId id="380" r:id="rId31"/>
     <p:sldId id="289" r:id="rId32"/>
     <p:sldId id="290" r:id="rId33"/>
+    <p:sldId id="381" r:id="rId34"/>
+    <p:sldId id="382" r:id="rId35"/>
+    <p:sldId id="383" r:id="rId36"/>
+    <p:sldId id="384" r:id="rId37"/>
   </p:sldIdLst>
   <p:sldSz cx="12192000" cy="6858000"/>
   <p:notesSz cx="6858000" cy="9144000"/>
@@ -137,7 +141,7 @@
   </p:defaultTextStyle>
   <p:extLst>
     <p:ext uri="{EFAFB233-063F-42B5-8137-9DF3F51BA10A}">
-      <p15:sldGuideLst xmlns:p15="http://schemas.microsoft.com/office/powerpoint/2012/main" xmlns=""/>
+      <p15:sldGuideLst xmlns="" xmlns:p15="http://schemas.microsoft.com/office/powerpoint/2012/main"/>
     </p:ext>
   </p:extLst>
 </p:presentation>
@@ -165,7 +169,7 @@
           <p:cNvPr id="2" name="Title 1">
             <a:extLst>
               <a:ext uri="{FF2B5EF4-FFF2-40B4-BE49-F238E27FC236}">
-                <a16:creationId xmlns:a16="http://schemas.microsoft.com/office/drawing/2014/main" xmlns="" id="{A1108F71-2E82-4D1D-A18A-FB69E94E875B}"/>
+                <a16:creationId xmlns="" xmlns:a16="http://schemas.microsoft.com/office/drawing/2014/main" id="{A1108F71-2E82-4D1D-A18A-FB69E94E875B}"/>
               </a:ext>
             </a:extLst>
           </p:cNvPr>
@@ -202,7 +206,7 @@
           <p:cNvPr id="3" name="Subtitle 2">
             <a:extLst>
               <a:ext uri="{FF2B5EF4-FFF2-40B4-BE49-F238E27FC236}">
-                <a16:creationId xmlns:a16="http://schemas.microsoft.com/office/drawing/2014/main" xmlns="" id="{92785EEA-B127-49E0-B21C-4B90E4328C2D}"/>
+                <a16:creationId xmlns="" xmlns:a16="http://schemas.microsoft.com/office/drawing/2014/main" id="{92785EEA-B127-49E0-B21C-4B90E4328C2D}"/>
               </a:ext>
             </a:extLst>
           </p:cNvPr>
@@ -272,7 +276,7 @@
           <p:cNvPr id="4" name="Date Placeholder 3">
             <a:extLst>
               <a:ext uri="{FF2B5EF4-FFF2-40B4-BE49-F238E27FC236}">
-                <a16:creationId xmlns:a16="http://schemas.microsoft.com/office/drawing/2014/main" xmlns="" id="{7094CFE9-B040-45C3-8B03-1E62FC84111D}"/>
+                <a16:creationId xmlns="" xmlns:a16="http://schemas.microsoft.com/office/drawing/2014/main" id="{7094CFE9-B040-45C3-8B03-1E62FC84111D}"/>
               </a:ext>
             </a:extLst>
           </p:cNvPr>
@@ -290,7 +294,7 @@
           <a:p>
             <a:fld id="{BD4DC5A7-7519-478E-BD5B-60F90D85C306}" type="datetimeFigureOut">
               <a:rPr lang="en-US" smtClean="0"/>
-              <a:t>8/24/18</a:t>
+              <a:t>8/25/18</a:t>
             </a:fld>
             <a:endParaRPr lang="en-US"/>
           </a:p>
@@ -301,7 +305,7 @@
           <p:cNvPr id="5" name="Footer Placeholder 4">
             <a:extLst>
               <a:ext uri="{FF2B5EF4-FFF2-40B4-BE49-F238E27FC236}">
-                <a16:creationId xmlns:a16="http://schemas.microsoft.com/office/drawing/2014/main" xmlns="" id="{70EF1216-BB5F-44A2-9737-FC8C556ED178}"/>
+                <a16:creationId xmlns="" xmlns:a16="http://schemas.microsoft.com/office/drawing/2014/main" id="{70EF1216-BB5F-44A2-9737-FC8C556ED178}"/>
               </a:ext>
             </a:extLst>
           </p:cNvPr>
@@ -326,7 +330,7 @@
           <p:cNvPr id="6" name="Slide Number Placeholder 5">
             <a:extLst>
               <a:ext uri="{FF2B5EF4-FFF2-40B4-BE49-F238E27FC236}">
-                <a16:creationId xmlns:a16="http://schemas.microsoft.com/office/drawing/2014/main" xmlns="" id="{EF12BBAC-CD2C-4782-8AE5-01BD7AD0B474}"/>
+                <a16:creationId xmlns="" xmlns:a16="http://schemas.microsoft.com/office/drawing/2014/main" id="{EF12BBAC-CD2C-4782-8AE5-01BD7AD0B474}"/>
               </a:ext>
             </a:extLst>
           </p:cNvPr>
@@ -385,7 +389,7 @@
           <p:cNvPr id="2" name="Title 1">
             <a:extLst>
               <a:ext uri="{FF2B5EF4-FFF2-40B4-BE49-F238E27FC236}">
-                <a16:creationId xmlns:a16="http://schemas.microsoft.com/office/drawing/2014/main" xmlns="" id="{7C49812C-88CB-4596-A771-441E3ABA670D}"/>
+                <a16:creationId xmlns="" xmlns:a16="http://schemas.microsoft.com/office/drawing/2014/main" id="{7C49812C-88CB-4596-A771-441E3ABA670D}"/>
               </a:ext>
             </a:extLst>
           </p:cNvPr>
@@ -413,7 +417,7 @@
           <p:cNvPr id="3" name="Vertical Text Placeholder 2">
             <a:extLst>
               <a:ext uri="{FF2B5EF4-FFF2-40B4-BE49-F238E27FC236}">
-                <a16:creationId xmlns:a16="http://schemas.microsoft.com/office/drawing/2014/main" xmlns="" id="{89831991-E0DD-4275-9BC9-EA5A306A9397}"/>
+                <a16:creationId xmlns="" xmlns:a16="http://schemas.microsoft.com/office/drawing/2014/main" id="{89831991-E0DD-4275-9BC9-EA5A306A9397}"/>
               </a:ext>
             </a:extLst>
           </p:cNvPr>
@@ -470,7 +474,7 @@
           <p:cNvPr id="4" name="Date Placeholder 3">
             <a:extLst>
               <a:ext uri="{FF2B5EF4-FFF2-40B4-BE49-F238E27FC236}">
-                <a16:creationId xmlns:a16="http://schemas.microsoft.com/office/drawing/2014/main" xmlns="" id="{21A53DFD-5735-4B61-BE25-16EA274AA120}"/>
+                <a16:creationId xmlns="" xmlns:a16="http://schemas.microsoft.com/office/drawing/2014/main" id="{21A53DFD-5735-4B61-BE25-16EA274AA120}"/>
               </a:ext>
             </a:extLst>
           </p:cNvPr>
@@ -488,7 +492,7 @@
           <a:p>
             <a:fld id="{BD4DC5A7-7519-478E-BD5B-60F90D85C306}" type="datetimeFigureOut">
               <a:rPr lang="en-US" smtClean="0"/>
-              <a:t>8/24/18</a:t>
+              <a:t>8/25/18</a:t>
             </a:fld>
             <a:endParaRPr lang="en-US"/>
           </a:p>
@@ -499,7 +503,7 @@
           <p:cNvPr id="5" name="Footer Placeholder 4">
             <a:extLst>
               <a:ext uri="{FF2B5EF4-FFF2-40B4-BE49-F238E27FC236}">
-                <a16:creationId xmlns:a16="http://schemas.microsoft.com/office/drawing/2014/main" xmlns="" id="{2F41A425-8CD2-4BCA-A316-D1CD46E9893E}"/>
+                <a16:creationId xmlns="" xmlns:a16="http://schemas.microsoft.com/office/drawing/2014/main" id="{2F41A425-8CD2-4BCA-A316-D1CD46E9893E}"/>
               </a:ext>
             </a:extLst>
           </p:cNvPr>
@@ -524,7 +528,7 @@
           <p:cNvPr id="6" name="Slide Number Placeholder 5">
             <a:extLst>
               <a:ext uri="{FF2B5EF4-FFF2-40B4-BE49-F238E27FC236}">
-                <a16:creationId xmlns:a16="http://schemas.microsoft.com/office/drawing/2014/main" xmlns="" id="{6DACED10-D55C-41BB-B57C-8FE6F2ACB756}"/>
+                <a16:creationId xmlns="" xmlns:a16="http://schemas.microsoft.com/office/drawing/2014/main" id="{6DACED10-D55C-41BB-B57C-8FE6F2ACB756}"/>
               </a:ext>
             </a:extLst>
           </p:cNvPr>
@@ -583,7 +587,7 @@
           <p:cNvPr id="2" name="Vertical Title 1">
             <a:extLst>
               <a:ext uri="{FF2B5EF4-FFF2-40B4-BE49-F238E27FC236}">
-                <a16:creationId xmlns:a16="http://schemas.microsoft.com/office/drawing/2014/main" xmlns="" id="{67A55237-1742-4548-BF53-5C7681DF803A}"/>
+                <a16:creationId xmlns="" xmlns:a16="http://schemas.microsoft.com/office/drawing/2014/main" id="{67A55237-1742-4548-BF53-5C7681DF803A}"/>
               </a:ext>
             </a:extLst>
           </p:cNvPr>
@@ -616,7 +620,7 @@
           <p:cNvPr id="3" name="Vertical Text Placeholder 2">
             <a:extLst>
               <a:ext uri="{FF2B5EF4-FFF2-40B4-BE49-F238E27FC236}">
-                <a16:creationId xmlns:a16="http://schemas.microsoft.com/office/drawing/2014/main" xmlns="" id="{FF5900D0-340C-47DE-910C-90CD6ADE7D2D}"/>
+                <a16:creationId xmlns="" xmlns:a16="http://schemas.microsoft.com/office/drawing/2014/main" id="{FF5900D0-340C-47DE-910C-90CD6ADE7D2D}"/>
               </a:ext>
             </a:extLst>
           </p:cNvPr>
@@ -678,7 +682,7 @@
           <p:cNvPr id="4" name="Date Placeholder 3">
             <a:extLst>
               <a:ext uri="{FF2B5EF4-FFF2-40B4-BE49-F238E27FC236}">
-                <a16:creationId xmlns:a16="http://schemas.microsoft.com/office/drawing/2014/main" xmlns="" id="{5EF067F7-6D50-473D-B43F-BC42139DE01C}"/>
+                <a16:creationId xmlns="" xmlns:a16="http://schemas.microsoft.com/office/drawing/2014/main" id="{5EF067F7-6D50-473D-B43F-BC42139DE01C}"/>
               </a:ext>
             </a:extLst>
           </p:cNvPr>
@@ -696,7 +700,7 @@
           <a:p>
             <a:fld id="{BD4DC5A7-7519-478E-BD5B-60F90D85C306}" type="datetimeFigureOut">
               <a:rPr lang="en-US" smtClean="0"/>
-              <a:t>8/24/18</a:t>
+              <a:t>8/25/18</a:t>
             </a:fld>
             <a:endParaRPr lang="en-US"/>
           </a:p>
@@ -707,7 +711,7 @@
           <p:cNvPr id="5" name="Footer Placeholder 4">
             <a:extLst>
               <a:ext uri="{FF2B5EF4-FFF2-40B4-BE49-F238E27FC236}">
-                <a16:creationId xmlns:a16="http://schemas.microsoft.com/office/drawing/2014/main" xmlns="" id="{881860E0-B4FB-439D-99BA-A5E215D7A27A}"/>
+                <a16:creationId xmlns="" xmlns:a16="http://schemas.microsoft.com/office/drawing/2014/main" id="{881860E0-B4FB-439D-99BA-A5E215D7A27A}"/>
               </a:ext>
             </a:extLst>
           </p:cNvPr>
@@ -732,7 +736,7 @@
           <p:cNvPr id="6" name="Slide Number Placeholder 5">
             <a:extLst>
               <a:ext uri="{FF2B5EF4-FFF2-40B4-BE49-F238E27FC236}">
-                <a16:creationId xmlns:a16="http://schemas.microsoft.com/office/drawing/2014/main" xmlns="" id="{491C4132-ACEC-43CE-B72B-687F66698183}"/>
+                <a16:creationId xmlns="" xmlns:a16="http://schemas.microsoft.com/office/drawing/2014/main" id="{491C4132-ACEC-43CE-B72B-687F66698183}"/>
               </a:ext>
             </a:extLst>
           </p:cNvPr>
@@ -791,7 +795,7 @@
           <p:cNvPr id="2" name="Title 1">
             <a:extLst>
               <a:ext uri="{FF2B5EF4-FFF2-40B4-BE49-F238E27FC236}">
-                <a16:creationId xmlns:a16="http://schemas.microsoft.com/office/drawing/2014/main" xmlns="" id="{BDBC66ED-EDFB-4593-B231-1246B0AE4D13}"/>
+                <a16:creationId xmlns="" xmlns:a16="http://schemas.microsoft.com/office/drawing/2014/main" id="{BDBC66ED-EDFB-4593-B231-1246B0AE4D13}"/>
               </a:ext>
             </a:extLst>
           </p:cNvPr>
@@ -819,7 +823,7 @@
           <p:cNvPr id="3" name="Content Placeholder 2">
             <a:extLst>
               <a:ext uri="{FF2B5EF4-FFF2-40B4-BE49-F238E27FC236}">
-                <a16:creationId xmlns:a16="http://schemas.microsoft.com/office/drawing/2014/main" xmlns="" id="{9CB8B78A-5D46-4D6A-A2AB-CBE659560009}"/>
+                <a16:creationId xmlns="" xmlns:a16="http://schemas.microsoft.com/office/drawing/2014/main" id="{9CB8B78A-5D46-4D6A-A2AB-CBE659560009}"/>
               </a:ext>
             </a:extLst>
           </p:cNvPr>
@@ -876,7 +880,7 @@
           <p:cNvPr id="4" name="Date Placeholder 3">
             <a:extLst>
               <a:ext uri="{FF2B5EF4-FFF2-40B4-BE49-F238E27FC236}">
-                <a16:creationId xmlns:a16="http://schemas.microsoft.com/office/drawing/2014/main" xmlns="" id="{F9DD0201-37B5-466E-89C2-83941973BC7A}"/>
+                <a16:creationId xmlns="" xmlns:a16="http://schemas.microsoft.com/office/drawing/2014/main" id="{F9DD0201-37B5-466E-89C2-83941973BC7A}"/>
               </a:ext>
             </a:extLst>
           </p:cNvPr>
@@ -894,7 +898,7 @@
           <a:p>
             <a:fld id="{BD4DC5A7-7519-478E-BD5B-60F90D85C306}" type="datetimeFigureOut">
               <a:rPr lang="en-US" smtClean="0"/>
-              <a:t>8/24/18</a:t>
+              <a:t>8/25/18</a:t>
             </a:fld>
             <a:endParaRPr lang="en-US"/>
           </a:p>
@@ -905,7 +909,7 @@
           <p:cNvPr id="5" name="Footer Placeholder 4">
             <a:extLst>
               <a:ext uri="{FF2B5EF4-FFF2-40B4-BE49-F238E27FC236}">
-                <a16:creationId xmlns:a16="http://schemas.microsoft.com/office/drawing/2014/main" xmlns="" id="{D837485D-D17D-456A-AED6-6625EED9BFE0}"/>
+                <a16:creationId xmlns="" xmlns:a16="http://schemas.microsoft.com/office/drawing/2014/main" id="{D837485D-D17D-456A-AED6-6625EED9BFE0}"/>
               </a:ext>
             </a:extLst>
           </p:cNvPr>
@@ -930,7 +934,7 @@
           <p:cNvPr id="6" name="Slide Number Placeholder 5">
             <a:extLst>
               <a:ext uri="{FF2B5EF4-FFF2-40B4-BE49-F238E27FC236}">
-                <a16:creationId xmlns:a16="http://schemas.microsoft.com/office/drawing/2014/main" xmlns="" id="{A4CE6E2B-B4E8-4715-AFA5-CE02B7395B63}"/>
+                <a16:creationId xmlns="" xmlns:a16="http://schemas.microsoft.com/office/drawing/2014/main" id="{A4CE6E2B-B4E8-4715-AFA5-CE02B7395B63}"/>
               </a:ext>
             </a:extLst>
           </p:cNvPr>
@@ -989,7 +993,7 @@
           <p:cNvPr id="2" name="Title 1">
             <a:extLst>
               <a:ext uri="{FF2B5EF4-FFF2-40B4-BE49-F238E27FC236}">
-                <a16:creationId xmlns:a16="http://schemas.microsoft.com/office/drawing/2014/main" xmlns="" id="{2ACCDA3A-211F-4B54-B2F4-1F90E354BDFE}"/>
+                <a16:creationId xmlns="" xmlns:a16="http://schemas.microsoft.com/office/drawing/2014/main" id="{2ACCDA3A-211F-4B54-B2F4-1F90E354BDFE}"/>
               </a:ext>
             </a:extLst>
           </p:cNvPr>
@@ -1026,7 +1030,7 @@
           <p:cNvPr id="3" name="Text Placeholder 2">
             <a:extLst>
               <a:ext uri="{FF2B5EF4-FFF2-40B4-BE49-F238E27FC236}">
-                <a16:creationId xmlns:a16="http://schemas.microsoft.com/office/drawing/2014/main" xmlns="" id="{C28B10CD-BF63-468D-BC85-1C8B1E116F12}"/>
+                <a16:creationId xmlns="" xmlns:a16="http://schemas.microsoft.com/office/drawing/2014/main" id="{C28B10CD-BF63-468D-BC85-1C8B1E116F12}"/>
               </a:ext>
             </a:extLst>
           </p:cNvPr>
@@ -1151,7 +1155,7 @@
           <p:cNvPr id="4" name="Date Placeholder 3">
             <a:extLst>
               <a:ext uri="{FF2B5EF4-FFF2-40B4-BE49-F238E27FC236}">
-                <a16:creationId xmlns:a16="http://schemas.microsoft.com/office/drawing/2014/main" xmlns="" id="{461D6659-6BDF-4E95-A11F-5FE6A8F1DDFC}"/>
+                <a16:creationId xmlns="" xmlns:a16="http://schemas.microsoft.com/office/drawing/2014/main" id="{461D6659-6BDF-4E95-A11F-5FE6A8F1DDFC}"/>
               </a:ext>
             </a:extLst>
           </p:cNvPr>
@@ -1169,7 +1173,7 @@
           <a:p>
             <a:fld id="{BD4DC5A7-7519-478E-BD5B-60F90D85C306}" type="datetimeFigureOut">
               <a:rPr lang="en-US" smtClean="0"/>
-              <a:t>8/24/18</a:t>
+              <a:t>8/25/18</a:t>
             </a:fld>
             <a:endParaRPr lang="en-US"/>
           </a:p>
@@ -1180,7 +1184,7 @@
           <p:cNvPr id="5" name="Footer Placeholder 4">
             <a:extLst>
               <a:ext uri="{FF2B5EF4-FFF2-40B4-BE49-F238E27FC236}">
-                <a16:creationId xmlns:a16="http://schemas.microsoft.com/office/drawing/2014/main" xmlns="" id="{ADF6A4A9-8DF7-4FA4-BA9C-898BE582F45C}"/>
+                <a16:creationId xmlns="" xmlns:a16="http://schemas.microsoft.com/office/drawing/2014/main" id="{ADF6A4A9-8DF7-4FA4-BA9C-898BE582F45C}"/>
               </a:ext>
             </a:extLst>
           </p:cNvPr>
@@ -1205,7 +1209,7 @@
           <p:cNvPr id="6" name="Slide Number Placeholder 5">
             <a:extLst>
               <a:ext uri="{FF2B5EF4-FFF2-40B4-BE49-F238E27FC236}">
-                <a16:creationId xmlns:a16="http://schemas.microsoft.com/office/drawing/2014/main" xmlns="" id="{0DEDB2FD-8621-44AD-AA9F-D440D2FE6A8F}"/>
+                <a16:creationId xmlns="" xmlns:a16="http://schemas.microsoft.com/office/drawing/2014/main" id="{0DEDB2FD-8621-44AD-AA9F-D440D2FE6A8F}"/>
               </a:ext>
             </a:extLst>
           </p:cNvPr>
@@ -1264,7 +1268,7 @@
           <p:cNvPr id="2" name="Title 1">
             <a:extLst>
               <a:ext uri="{FF2B5EF4-FFF2-40B4-BE49-F238E27FC236}">
-                <a16:creationId xmlns:a16="http://schemas.microsoft.com/office/drawing/2014/main" xmlns="" id="{5CEC126C-2ED6-4F54-9E87-EE7561727493}"/>
+                <a16:creationId xmlns="" xmlns:a16="http://schemas.microsoft.com/office/drawing/2014/main" id="{5CEC126C-2ED6-4F54-9E87-EE7561727493}"/>
               </a:ext>
             </a:extLst>
           </p:cNvPr>
@@ -1292,7 +1296,7 @@
           <p:cNvPr id="3" name="Content Placeholder 2">
             <a:extLst>
               <a:ext uri="{FF2B5EF4-FFF2-40B4-BE49-F238E27FC236}">
-                <a16:creationId xmlns:a16="http://schemas.microsoft.com/office/drawing/2014/main" xmlns="" id="{121E1C7A-9EB2-47EF-9FD8-EAB7DACD12F4}"/>
+                <a16:creationId xmlns="" xmlns:a16="http://schemas.microsoft.com/office/drawing/2014/main" id="{121E1C7A-9EB2-47EF-9FD8-EAB7DACD12F4}"/>
               </a:ext>
             </a:extLst>
           </p:cNvPr>
@@ -1354,7 +1358,7 @@
           <p:cNvPr id="4" name="Content Placeholder 3">
             <a:extLst>
               <a:ext uri="{FF2B5EF4-FFF2-40B4-BE49-F238E27FC236}">
-                <a16:creationId xmlns:a16="http://schemas.microsoft.com/office/drawing/2014/main" xmlns="" id="{E8D2B567-EFC1-4567-A35A-1FB753655447}"/>
+                <a16:creationId xmlns="" xmlns:a16="http://schemas.microsoft.com/office/drawing/2014/main" id="{E8D2B567-EFC1-4567-A35A-1FB753655447}"/>
               </a:ext>
             </a:extLst>
           </p:cNvPr>
@@ -1416,7 +1420,7 @@
           <p:cNvPr id="5" name="Date Placeholder 4">
             <a:extLst>
               <a:ext uri="{FF2B5EF4-FFF2-40B4-BE49-F238E27FC236}">
-                <a16:creationId xmlns:a16="http://schemas.microsoft.com/office/drawing/2014/main" xmlns="" id="{81CC2C00-F919-40F6-81B2-86B27BD140D3}"/>
+                <a16:creationId xmlns="" xmlns:a16="http://schemas.microsoft.com/office/drawing/2014/main" id="{81CC2C00-F919-40F6-81B2-86B27BD140D3}"/>
               </a:ext>
             </a:extLst>
           </p:cNvPr>
@@ -1434,7 +1438,7 @@
           <a:p>
             <a:fld id="{BD4DC5A7-7519-478E-BD5B-60F90D85C306}" type="datetimeFigureOut">
               <a:rPr lang="en-US" smtClean="0"/>
-              <a:t>8/24/18</a:t>
+              <a:t>8/25/18</a:t>
             </a:fld>
             <a:endParaRPr lang="en-US"/>
           </a:p>
@@ -1445,7 +1449,7 @@
           <p:cNvPr id="6" name="Footer Placeholder 5">
             <a:extLst>
               <a:ext uri="{FF2B5EF4-FFF2-40B4-BE49-F238E27FC236}">
-                <a16:creationId xmlns:a16="http://schemas.microsoft.com/office/drawing/2014/main" xmlns="" id="{475A5405-4C1F-43C6-92D5-09A640EBA498}"/>
+                <a16:creationId xmlns="" xmlns:a16="http://schemas.microsoft.com/office/drawing/2014/main" id="{475A5405-4C1F-43C6-92D5-09A640EBA498}"/>
               </a:ext>
             </a:extLst>
           </p:cNvPr>
@@ -1470,7 +1474,7 @@
           <p:cNvPr id="7" name="Slide Number Placeholder 6">
             <a:extLst>
               <a:ext uri="{FF2B5EF4-FFF2-40B4-BE49-F238E27FC236}">
-                <a16:creationId xmlns:a16="http://schemas.microsoft.com/office/drawing/2014/main" xmlns="" id="{F64978E3-A699-4F67-BB92-04106617B5AC}"/>
+                <a16:creationId xmlns="" xmlns:a16="http://schemas.microsoft.com/office/drawing/2014/main" id="{F64978E3-A699-4F67-BB92-04106617B5AC}"/>
               </a:ext>
             </a:extLst>
           </p:cNvPr>
@@ -1529,7 +1533,7 @@
           <p:cNvPr id="2" name="Title 1">
             <a:extLst>
               <a:ext uri="{FF2B5EF4-FFF2-40B4-BE49-F238E27FC236}">
-                <a16:creationId xmlns:a16="http://schemas.microsoft.com/office/drawing/2014/main" xmlns="" id="{67300861-9424-4B61-8979-17EB45990C38}"/>
+                <a16:creationId xmlns="" xmlns:a16="http://schemas.microsoft.com/office/drawing/2014/main" id="{67300861-9424-4B61-8979-17EB45990C38}"/>
               </a:ext>
             </a:extLst>
           </p:cNvPr>
@@ -1562,7 +1566,7 @@
           <p:cNvPr id="3" name="Text Placeholder 2">
             <a:extLst>
               <a:ext uri="{FF2B5EF4-FFF2-40B4-BE49-F238E27FC236}">
-                <a16:creationId xmlns:a16="http://schemas.microsoft.com/office/drawing/2014/main" xmlns="" id="{A88002D0-6C8D-41D2-BC10-250CB81DA427}"/>
+                <a16:creationId xmlns="" xmlns:a16="http://schemas.microsoft.com/office/drawing/2014/main" id="{A88002D0-6C8D-41D2-BC10-250CB81DA427}"/>
               </a:ext>
             </a:extLst>
           </p:cNvPr>
@@ -1633,7 +1637,7 @@
           <p:cNvPr id="4" name="Content Placeholder 3">
             <a:extLst>
               <a:ext uri="{FF2B5EF4-FFF2-40B4-BE49-F238E27FC236}">
-                <a16:creationId xmlns:a16="http://schemas.microsoft.com/office/drawing/2014/main" xmlns="" id="{15794105-FD5A-4170-892F-6138759EAB3A}"/>
+                <a16:creationId xmlns="" xmlns:a16="http://schemas.microsoft.com/office/drawing/2014/main" id="{15794105-FD5A-4170-892F-6138759EAB3A}"/>
               </a:ext>
             </a:extLst>
           </p:cNvPr>
@@ -1695,7 +1699,7 @@
           <p:cNvPr id="5" name="Text Placeholder 4">
             <a:extLst>
               <a:ext uri="{FF2B5EF4-FFF2-40B4-BE49-F238E27FC236}">
-                <a16:creationId xmlns:a16="http://schemas.microsoft.com/office/drawing/2014/main" xmlns="" id="{503938D1-7D22-40DC-AC86-32F833599530}"/>
+                <a16:creationId xmlns="" xmlns:a16="http://schemas.microsoft.com/office/drawing/2014/main" id="{503938D1-7D22-40DC-AC86-32F833599530}"/>
               </a:ext>
             </a:extLst>
           </p:cNvPr>
@@ -1766,7 +1770,7 @@
           <p:cNvPr id="6" name="Content Placeholder 5">
             <a:extLst>
               <a:ext uri="{FF2B5EF4-FFF2-40B4-BE49-F238E27FC236}">
-                <a16:creationId xmlns:a16="http://schemas.microsoft.com/office/drawing/2014/main" xmlns="" id="{7D0D3C49-EE82-46FC-A67E-76FE9BBA712A}"/>
+                <a16:creationId xmlns="" xmlns:a16="http://schemas.microsoft.com/office/drawing/2014/main" id="{7D0D3C49-EE82-46FC-A67E-76FE9BBA712A}"/>
               </a:ext>
             </a:extLst>
           </p:cNvPr>
@@ -1828,7 +1832,7 @@
           <p:cNvPr id="7" name="Date Placeholder 6">
             <a:extLst>
               <a:ext uri="{FF2B5EF4-FFF2-40B4-BE49-F238E27FC236}">
-                <a16:creationId xmlns:a16="http://schemas.microsoft.com/office/drawing/2014/main" xmlns="" id="{00AB1C1F-0466-4C25-9A1C-EFAA3EBDA137}"/>
+                <a16:creationId xmlns="" xmlns:a16="http://schemas.microsoft.com/office/drawing/2014/main" id="{00AB1C1F-0466-4C25-9A1C-EFAA3EBDA137}"/>
               </a:ext>
             </a:extLst>
           </p:cNvPr>
@@ -1846,7 +1850,7 @@
           <a:p>
             <a:fld id="{BD4DC5A7-7519-478E-BD5B-60F90D85C306}" type="datetimeFigureOut">
               <a:rPr lang="en-US" smtClean="0"/>
-              <a:t>8/24/18</a:t>
+              <a:t>8/25/18</a:t>
             </a:fld>
             <a:endParaRPr lang="en-US"/>
           </a:p>
@@ -1857,7 +1861,7 @@
           <p:cNvPr id="8" name="Footer Placeholder 7">
             <a:extLst>
               <a:ext uri="{FF2B5EF4-FFF2-40B4-BE49-F238E27FC236}">
-                <a16:creationId xmlns:a16="http://schemas.microsoft.com/office/drawing/2014/main" xmlns="" id="{9E898302-56DA-4C73-A5C1-0C7589BFED93}"/>
+                <a16:creationId xmlns="" xmlns:a16="http://schemas.microsoft.com/office/drawing/2014/main" id="{9E898302-56DA-4C73-A5C1-0C7589BFED93}"/>
               </a:ext>
             </a:extLst>
           </p:cNvPr>
@@ -1882,7 +1886,7 @@
           <p:cNvPr id="9" name="Slide Number Placeholder 8">
             <a:extLst>
               <a:ext uri="{FF2B5EF4-FFF2-40B4-BE49-F238E27FC236}">
-                <a16:creationId xmlns:a16="http://schemas.microsoft.com/office/drawing/2014/main" xmlns="" id="{5896A007-2B78-4ECF-AC05-92B84DC4E930}"/>
+                <a16:creationId xmlns="" xmlns:a16="http://schemas.microsoft.com/office/drawing/2014/main" id="{5896A007-2B78-4ECF-AC05-92B84DC4E930}"/>
               </a:ext>
             </a:extLst>
           </p:cNvPr>
@@ -1941,7 +1945,7 @@
           <p:cNvPr id="2" name="Title 1">
             <a:extLst>
               <a:ext uri="{FF2B5EF4-FFF2-40B4-BE49-F238E27FC236}">
-                <a16:creationId xmlns:a16="http://schemas.microsoft.com/office/drawing/2014/main" xmlns="" id="{B1C26C8F-DA55-4BC3-A9AC-C38FC4DB5D63}"/>
+                <a16:creationId xmlns="" xmlns:a16="http://schemas.microsoft.com/office/drawing/2014/main" id="{B1C26C8F-DA55-4BC3-A9AC-C38FC4DB5D63}"/>
               </a:ext>
             </a:extLst>
           </p:cNvPr>
@@ -1969,7 +1973,7 @@
           <p:cNvPr id="3" name="Date Placeholder 2">
             <a:extLst>
               <a:ext uri="{FF2B5EF4-FFF2-40B4-BE49-F238E27FC236}">
-                <a16:creationId xmlns:a16="http://schemas.microsoft.com/office/drawing/2014/main" xmlns="" id="{D70CD376-1318-443C-A774-3B2AF44D8552}"/>
+                <a16:creationId xmlns="" xmlns:a16="http://schemas.microsoft.com/office/drawing/2014/main" id="{D70CD376-1318-443C-A774-3B2AF44D8552}"/>
               </a:ext>
             </a:extLst>
           </p:cNvPr>
@@ -1987,7 +1991,7 @@
           <a:p>
             <a:fld id="{BD4DC5A7-7519-478E-BD5B-60F90D85C306}" type="datetimeFigureOut">
               <a:rPr lang="en-US" smtClean="0"/>
-              <a:t>8/24/18</a:t>
+              <a:t>8/25/18</a:t>
             </a:fld>
             <a:endParaRPr lang="en-US"/>
           </a:p>
@@ -1998,7 +2002,7 @@
           <p:cNvPr id="4" name="Footer Placeholder 3">
             <a:extLst>
               <a:ext uri="{FF2B5EF4-FFF2-40B4-BE49-F238E27FC236}">
-                <a16:creationId xmlns:a16="http://schemas.microsoft.com/office/drawing/2014/main" xmlns="" id="{6B23A14D-03C7-4554-A222-A596A5387F4A}"/>
+                <a16:creationId xmlns="" xmlns:a16="http://schemas.microsoft.com/office/drawing/2014/main" id="{6B23A14D-03C7-4554-A222-A596A5387F4A}"/>
               </a:ext>
             </a:extLst>
           </p:cNvPr>
@@ -2023,7 +2027,7 @@
           <p:cNvPr id="5" name="Slide Number Placeholder 4">
             <a:extLst>
               <a:ext uri="{FF2B5EF4-FFF2-40B4-BE49-F238E27FC236}">
-                <a16:creationId xmlns:a16="http://schemas.microsoft.com/office/drawing/2014/main" xmlns="" id="{6F2AD413-A9EB-436E-9B14-D5669851CD02}"/>
+                <a16:creationId xmlns="" xmlns:a16="http://schemas.microsoft.com/office/drawing/2014/main" id="{6F2AD413-A9EB-436E-9B14-D5669851CD02}"/>
               </a:ext>
             </a:extLst>
           </p:cNvPr>
@@ -2082,7 +2086,7 @@
           <p:cNvPr id="2" name="Date Placeholder 1">
             <a:extLst>
               <a:ext uri="{FF2B5EF4-FFF2-40B4-BE49-F238E27FC236}">
-                <a16:creationId xmlns:a16="http://schemas.microsoft.com/office/drawing/2014/main" xmlns="" id="{B4230C3F-FDA8-4404-BC2E-33D9DE1447EA}"/>
+                <a16:creationId xmlns="" xmlns:a16="http://schemas.microsoft.com/office/drawing/2014/main" id="{B4230C3F-FDA8-4404-BC2E-33D9DE1447EA}"/>
               </a:ext>
             </a:extLst>
           </p:cNvPr>
@@ -2100,7 +2104,7 @@
           <a:p>
             <a:fld id="{BD4DC5A7-7519-478E-BD5B-60F90D85C306}" type="datetimeFigureOut">
               <a:rPr lang="en-US" smtClean="0"/>
-              <a:t>8/24/18</a:t>
+              <a:t>8/25/18</a:t>
             </a:fld>
             <a:endParaRPr lang="en-US"/>
           </a:p>
@@ -2111,7 +2115,7 @@
           <p:cNvPr id="3" name="Footer Placeholder 2">
             <a:extLst>
               <a:ext uri="{FF2B5EF4-FFF2-40B4-BE49-F238E27FC236}">
-                <a16:creationId xmlns:a16="http://schemas.microsoft.com/office/drawing/2014/main" xmlns="" id="{8BCC11B9-6008-4C2B-8F75-84BC341218FB}"/>
+                <a16:creationId xmlns="" xmlns:a16="http://schemas.microsoft.com/office/drawing/2014/main" id="{8BCC11B9-6008-4C2B-8F75-84BC341218FB}"/>
               </a:ext>
             </a:extLst>
           </p:cNvPr>
@@ -2136,7 +2140,7 @@
           <p:cNvPr id="4" name="Slide Number Placeholder 3">
             <a:extLst>
               <a:ext uri="{FF2B5EF4-FFF2-40B4-BE49-F238E27FC236}">
-                <a16:creationId xmlns:a16="http://schemas.microsoft.com/office/drawing/2014/main" xmlns="" id="{DFA49583-F80C-4EB1-A962-B918752CD4FD}"/>
+                <a16:creationId xmlns="" xmlns:a16="http://schemas.microsoft.com/office/drawing/2014/main" id="{DFA49583-F80C-4EB1-A962-B918752CD4FD}"/>
               </a:ext>
             </a:extLst>
           </p:cNvPr>
@@ -2195,7 +2199,7 @@
           <p:cNvPr id="2" name="Title 1">
             <a:extLst>
               <a:ext uri="{FF2B5EF4-FFF2-40B4-BE49-F238E27FC236}">
-                <a16:creationId xmlns:a16="http://schemas.microsoft.com/office/drawing/2014/main" xmlns="" id="{7A77DE11-7737-4C3F-9F31-C7E1EB18860C}"/>
+                <a16:creationId xmlns="" xmlns:a16="http://schemas.microsoft.com/office/drawing/2014/main" id="{7A77DE11-7737-4C3F-9F31-C7E1EB18860C}"/>
               </a:ext>
             </a:extLst>
           </p:cNvPr>
@@ -2232,7 +2236,7 @@
           <p:cNvPr id="3" name="Content Placeholder 2">
             <a:extLst>
               <a:ext uri="{FF2B5EF4-FFF2-40B4-BE49-F238E27FC236}">
-                <a16:creationId xmlns:a16="http://schemas.microsoft.com/office/drawing/2014/main" xmlns="" id="{D29D0AC4-C70D-4232-9BCD-17F461A396B8}"/>
+                <a16:creationId xmlns="" xmlns:a16="http://schemas.microsoft.com/office/drawing/2014/main" id="{D29D0AC4-C70D-4232-9BCD-17F461A396B8}"/>
               </a:ext>
             </a:extLst>
           </p:cNvPr>
@@ -2322,7 +2326,7 @@
           <p:cNvPr id="4" name="Text Placeholder 3">
             <a:extLst>
               <a:ext uri="{FF2B5EF4-FFF2-40B4-BE49-F238E27FC236}">
-                <a16:creationId xmlns:a16="http://schemas.microsoft.com/office/drawing/2014/main" xmlns="" id="{9DC0DAA9-912D-411E-AF9C-C7A0AFE7BB70}"/>
+                <a16:creationId xmlns="" xmlns:a16="http://schemas.microsoft.com/office/drawing/2014/main" id="{9DC0DAA9-912D-411E-AF9C-C7A0AFE7BB70}"/>
               </a:ext>
             </a:extLst>
           </p:cNvPr>
@@ -2393,7 +2397,7 @@
           <p:cNvPr id="5" name="Date Placeholder 4">
             <a:extLst>
               <a:ext uri="{FF2B5EF4-FFF2-40B4-BE49-F238E27FC236}">
-                <a16:creationId xmlns:a16="http://schemas.microsoft.com/office/drawing/2014/main" xmlns="" id="{1FE9CA59-2235-41BE-9284-6D528C6A91A4}"/>
+                <a16:creationId xmlns="" xmlns:a16="http://schemas.microsoft.com/office/drawing/2014/main" id="{1FE9CA59-2235-41BE-9284-6D528C6A91A4}"/>
               </a:ext>
             </a:extLst>
           </p:cNvPr>
@@ -2411,7 +2415,7 @@
           <a:p>
             <a:fld id="{BD4DC5A7-7519-478E-BD5B-60F90D85C306}" type="datetimeFigureOut">
               <a:rPr lang="en-US" smtClean="0"/>
-              <a:t>8/24/18</a:t>
+              <a:t>8/25/18</a:t>
             </a:fld>
             <a:endParaRPr lang="en-US"/>
           </a:p>
@@ -2422,7 +2426,7 @@
           <p:cNvPr id="6" name="Footer Placeholder 5">
             <a:extLst>
               <a:ext uri="{FF2B5EF4-FFF2-40B4-BE49-F238E27FC236}">
-                <a16:creationId xmlns:a16="http://schemas.microsoft.com/office/drawing/2014/main" xmlns="" id="{A2C43997-2FAE-42F1-8DCF-50FD5441736B}"/>
+                <a16:creationId xmlns="" xmlns:a16="http://schemas.microsoft.com/office/drawing/2014/main" id="{A2C43997-2FAE-42F1-8DCF-50FD5441736B}"/>
               </a:ext>
             </a:extLst>
           </p:cNvPr>
@@ -2447,7 +2451,7 @@
           <p:cNvPr id="7" name="Slide Number Placeholder 6">
             <a:extLst>
               <a:ext uri="{FF2B5EF4-FFF2-40B4-BE49-F238E27FC236}">
-                <a16:creationId xmlns:a16="http://schemas.microsoft.com/office/drawing/2014/main" xmlns="" id="{5F52D84C-0AD8-471D-905F-65C95C83FC5B}"/>
+                <a16:creationId xmlns="" xmlns:a16="http://schemas.microsoft.com/office/drawing/2014/main" id="{5F52D84C-0AD8-471D-905F-65C95C83FC5B}"/>
               </a:ext>
             </a:extLst>
           </p:cNvPr>
@@ -2506,7 +2510,7 @@
           <p:cNvPr id="2" name="Title 1">
             <a:extLst>
               <a:ext uri="{FF2B5EF4-FFF2-40B4-BE49-F238E27FC236}">
-                <a16:creationId xmlns:a16="http://schemas.microsoft.com/office/drawing/2014/main" xmlns="" id="{8D155BC2-44AB-4E9A-A1F7-5DDB02E13573}"/>
+                <a16:creationId xmlns="" xmlns:a16="http://schemas.microsoft.com/office/drawing/2014/main" id="{8D155BC2-44AB-4E9A-A1F7-5DDB02E13573}"/>
               </a:ext>
             </a:extLst>
           </p:cNvPr>
@@ -2543,7 +2547,7 @@
           <p:cNvPr id="3" name="Picture Placeholder 2">
             <a:extLst>
               <a:ext uri="{FF2B5EF4-FFF2-40B4-BE49-F238E27FC236}">
-                <a16:creationId xmlns:a16="http://schemas.microsoft.com/office/drawing/2014/main" xmlns="" id="{4A457BFE-B989-4706-8538-73D8233A91B1}"/>
+                <a16:creationId xmlns="" xmlns:a16="http://schemas.microsoft.com/office/drawing/2014/main" id="{4A457BFE-B989-4706-8538-73D8233A91B1}"/>
               </a:ext>
             </a:extLst>
           </p:cNvPr>
@@ -2610,7 +2614,7 @@
           <p:cNvPr id="4" name="Text Placeholder 3">
             <a:extLst>
               <a:ext uri="{FF2B5EF4-FFF2-40B4-BE49-F238E27FC236}">
-                <a16:creationId xmlns:a16="http://schemas.microsoft.com/office/drawing/2014/main" xmlns="" id="{D05E6B8A-793B-4821-AE34-B9AD905123AE}"/>
+                <a16:creationId xmlns="" xmlns:a16="http://schemas.microsoft.com/office/drawing/2014/main" id="{D05E6B8A-793B-4821-AE34-B9AD905123AE}"/>
               </a:ext>
             </a:extLst>
           </p:cNvPr>
@@ -2681,7 +2685,7 @@
           <p:cNvPr id="5" name="Date Placeholder 4">
             <a:extLst>
               <a:ext uri="{FF2B5EF4-FFF2-40B4-BE49-F238E27FC236}">
-                <a16:creationId xmlns:a16="http://schemas.microsoft.com/office/drawing/2014/main" xmlns="" id="{845293DD-2D02-4919-B4D0-C2016E14DB3E}"/>
+                <a16:creationId xmlns="" xmlns:a16="http://schemas.microsoft.com/office/drawing/2014/main" id="{845293DD-2D02-4919-B4D0-C2016E14DB3E}"/>
               </a:ext>
             </a:extLst>
           </p:cNvPr>
@@ -2699,7 +2703,7 @@
           <a:p>
             <a:fld id="{BD4DC5A7-7519-478E-BD5B-60F90D85C306}" type="datetimeFigureOut">
               <a:rPr lang="en-US" smtClean="0"/>
-              <a:t>8/24/18</a:t>
+              <a:t>8/25/18</a:t>
             </a:fld>
             <a:endParaRPr lang="en-US"/>
           </a:p>
@@ -2710,7 +2714,7 @@
           <p:cNvPr id="6" name="Footer Placeholder 5">
             <a:extLst>
               <a:ext uri="{FF2B5EF4-FFF2-40B4-BE49-F238E27FC236}">
-                <a16:creationId xmlns:a16="http://schemas.microsoft.com/office/drawing/2014/main" xmlns="" id="{61290E68-55EC-45F7-BD4D-B77008659EDD}"/>
+                <a16:creationId xmlns="" xmlns:a16="http://schemas.microsoft.com/office/drawing/2014/main" id="{61290E68-55EC-45F7-BD4D-B77008659EDD}"/>
               </a:ext>
             </a:extLst>
           </p:cNvPr>
@@ -2735,7 +2739,7 @@
           <p:cNvPr id="7" name="Slide Number Placeholder 6">
             <a:extLst>
               <a:ext uri="{FF2B5EF4-FFF2-40B4-BE49-F238E27FC236}">
-                <a16:creationId xmlns:a16="http://schemas.microsoft.com/office/drawing/2014/main" xmlns="" id="{ECA00FBA-EA6A-48CE-9EAE-D7DD62B5FFC4}"/>
+                <a16:creationId xmlns="" xmlns:a16="http://schemas.microsoft.com/office/drawing/2014/main" id="{ECA00FBA-EA6A-48CE-9EAE-D7DD62B5FFC4}"/>
               </a:ext>
             </a:extLst>
           </p:cNvPr>
@@ -2799,7 +2803,7 @@
           <p:cNvPr id="2" name="Title Placeholder 1">
             <a:extLst>
               <a:ext uri="{FF2B5EF4-FFF2-40B4-BE49-F238E27FC236}">
-                <a16:creationId xmlns:a16="http://schemas.microsoft.com/office/drawing/2014/main" xmlns="" id="{8E065219-2262-45F7-AEE1-01ECA264FF64}"/>
+                <a16:creationId xmlns="" xmlns:a16="http://schemas.microsoft.com/office/drawing/2014/main" id="{8E065219-2262-45F7-AEE1-01ECA264FF64}"/>
               </a:ext>
             </a:extLst>
           </p:cNvPr>
@@ -2837,7 +2841,7 @@
           <p:cNvPr id="3" name="Text Placeholder 2">
             <a:extLst>
               <a:ext uri="{FF2B5EF4-FFF2-40B4-BE49-F238E27FC236}">
-                <a16:creationId xmlns:a16="http://schemas.microsoft.com/office/drawing/2014/main" xmlns="" id="{5CF0DA0B-746D-425C-B5A9-6DCFD224843A}"/>
+                <a16:creationId xmlns="" xmlns:a16="http://schemas.microsoft.com/office/drawing/2014/main" id="{5CF0DA0B-746D-425C-B5A9-6DCFD224843A}"/>
               </a:ext>
             </a:extLst>
           </p:cNvPr>
@@ -2904,7 +2908,7 @@
           <p:cNvPr id="4" name="Date Placeholder 3">
             <a:extLst>
               <a:ext uri="{FF2B5EF4-FFF2-40B4-BE49-F238E27FC236}">
-                <a16:creationId xmlns:a16="http://schemas.microsoft.com/office/drawing/2014/main" xmlns="" id="{D26CCE1E-15C2-4520-B496-550F8C6E571B}"/>
+                <a16:creationId xmlns="" xmlns:a16="http://schemas.microsoft.com/office/drawing/2014/main" id="{D26CCE1E-15C2-4520-B496-550F8C6E571B}"/>
               </a:ext>
             </a:extLst>
           </p:cNvPr>
@@ -2940,7 +2944,7 @@
           <a:p>
             <a:fld id="{BD4DC5A7-7519-478E-BD5B-60F90D85C306}" type="datetimeFigureOut">
               <a:rPr lang="en-US" smtClean="0"/>
-              <a:t>8/24/18</a:t>
+              <a:t>8/25/18</a:t>
             </a:fld>
             <a:endParaRPr lang="en-US"/>
           </a:p>
@@ -2951,7 +2955,7 @@
           <p:cNvPr id="5" name="Footer Placeholder 4">
             <a:extLst>
               <a:ext uri="{FF2B5EF4-FFF2-40B4-BE49-F238E27FC236}">
-                <a16:creationId xmlns:a16="http://schemas.microsoft.com/office/drawing/2014/main" xmlns="" id="{CF698408-2249-4087-8D38-490D796E7C15}"/>
+                <a16:creationId xmlns="" xmlns:a16="http://schemas.microsoft.com/office/drawing/2014/main" id="{CF698408-2249-4087-8D38-490D796E7C15}"/>
               </a:ext>
             </a:extLst>
           </p:cNvPr>
@@ -2994,7 +2998,7 @@
           <p:cNvPr id="6" name="Slide Number Placeholder 5">
             <a:extLst>
               <a:ext uri="{FF2B5EF4-FFF2-40B4-BE49-F238E27FC236}">
-                <a16:creationId xmlns:a16="http://schemas.microsoft.com/office/drawing/2014/main" xmlns="" id="{DE62D516-1A3C-4CB5-AEAD-3BF5A6C44B78}"/>
+                <a16:creationId xmlns="" xmlns:a16="http://schemas.microsoft.com/office/drawing/2014/main" id="{DE62D516-1A3C-4CB5-AEAD-3BF5A6C44B78}"/>
               </a:ext>
             </a:extLst>
           </p:cNvPr>
@@ -3472,7 +3476,7 @@
           <p:cNvPr id="2" name="Title 1">
             <a:extLst>
               <a:ext uri="{FF2B5EF4-FFF2-40B4-BE49-F238E27FC236}">
-                <a16:creationId xmlns:a16="http://schemas.microsoft.com/office/drawing/2014/main" xmlns="" id="{C5527DAC-11B8-47B9-9FFE-367F52769696}"/>
+                <a16:creationId xmlns="" xmlns:a16="http://schemas.microsoft.com/office/drawing/2014/main" id="{C5527DAC-11B8-47B9-9FFE-367F52769696}"/>
               </a:ext>
             </a:extLst>
           </p:cNvPr>
@@ -3497,7 +3501,7 @@
           <p:cNvPr id="3" name="Content Placeholder 2">
             <a:extLst>
               <a:ext uri="{FF2B5EF4-FFF2-40B4-BE49-F238E27FC236}">
-                <a16:creationId xmlns:a16="http://schemas.microsoft.com/office/drawing/2014/main" xmlns="" id="{DDA0F780-C325-4447-96F6-7B0D9BAB694E}"/>
+                <a16:creationId xmlns="" xmlns:a16="http://schemas.microsoft.com/office/drawing/2014/main" id="{DDA0F780-C325-4447-96F6-7B0D9BAB694E}"/>
               </a:ext>
             </a:extLst>
           </p:cNvPr>
@@ -6792,7 +6796,7 @@
           <p:cNvPr id="2" name="Title 1">
             <a:extLst>
               <a:ext uri="{FF2B5EF4-FFF2-40B4-BE49-F238E27FC236}">
-                <a16:creationId xmlns:a16="http://schemas.microsoft.com/office/drawing/2014/main" xmlns="" id="{DE7E03D7-96AC-4929-BC20-67B7111F0F32}"/>
+                <a16:creationId xmlns="" xmlns:a16="http://schemas.microsoft.com/office/drawing/2014/main" id="{DE7E03D7-96AC-4929-BC20-67B7111F0F32}"/>
               </a:ext>
             </a:extLst>
           </p:cNvPr>
@@ -6817,7 +6821,7 @@
           <p:cNvPr id="3" name="Content Placeholder 2">
             <a:extLst>
               <a:ext uri="{FF2B5EF4-FFF2-40B4-BE49-F238E27FC236}">
-                <a16:creationId xmlns:a16="http://schemas.microsoft.com/office/drawing/2014/main" xmlns="" id="{09B941AD-6678-40E0-83D0-F25049E15B7B}"/>
+                <a16:creationId xmlns="" xmlns:a16="http://schemas.microsoft.com/office/drawing/2014/main" id="{09B941AD-6678-40E0-83D0-F25049E15B7B}"/>
               </a:ext>
             </a:extLst>
           </p:cNvPr>
@@ -7219,6 +7223,601 @@
     <p:extLst>
       <p:ext uri="{BB962C8B-B14F-4D97-AF65-F5344CB8AC3E}">
         <p14:creationId xmlns:p14="http://schemas.microsoft.com/office/powerpoint/2010/main" val="1136391275"/>
+      </p:ext>
+    </p:extLst>
+  </p:cSld>
+  <p:clrMapOvr>
+    <a:masterClrMapping/>
+  </p:clrMapOvr>
+</p:sld>
+</file>
+
+<file path=ppt/slides/slide33.xml><?xml version="1.0" encoding="utf-8"?>
+<p:sld xmlns:a="http://schemas.openxmlformats.org/drawingml/2006/main" xmlns:r="http://schemas.openxmlformats.org/officeDocument/2006/relationships" xmlns:p="http://schemas.openxmlformats.org/presentationml/2006/main">
+  <p:cSld>
+    <p:spTree>
+      <p:nvGrpSpPr>
+        <p:cNvPr id="1" name=""/>
+        <p:cNvGrpSpPr/>
+        <p:nvPr/>
+      </p:nvGrpSpPr>
+      <p:grpSpPr>
+        <a:xfrm>
+          <a:off x="0" y="0"/>
+          <a:ext cx="0" cy="0"/>
+          <a:chOff x="0" y="0"/>
+          <a:chExt cx="0" cy="0"/>
+        </a:xfrm>
+      </p:grpSpPr>
+      <p:sp>
+        <p:nvSpPr>
+          <p:cNvPr id="2" name="Title 1"/>
+          <p:cNvSpPr>
+            <a:spLocks noGrp="1"/>
+          </p:cNvSpPr>
+          <p:nvPr>
+            <p:ph type="title"/>
+          </p:nvPr>
+        </p:nvSpPr>
+        <p:spPr/>
+        <p:txBody>
+          <a:bodyPr/>
+          <a:lstStyle/>
+          <a:p>
+            <a:r>
+              <a:rPr lang="en-US" dirty="0"/>
+              <a:t>Common R problems</a:t>
+            </a:r>
+          </a:p>
+        </p:txBody>
+      </p:sp>
+      <p:sp>
+        <p:nvSpPr>
+          <p:cNvPr id="3" name="Content Placeholder 2"/>
+          <p:cNvSpPr>
+            <a:spLocks noGrp="1"/>
+          </p:cNvSpPr>
+          <p:nvPr>
+            <p:ph idx="1"/>
+          </p:nvPr>
+        </p:nvSpPr>
+        <p:spPr/>
+        <p:txBody>
+          <a:bodyPr/>
+          <a:lstStyle/>
+          <a:p>
+            <a:pPr marL="0" indent="0">
+              <a:buNone/>
+            </a:pPr>
+            <a:r>
+              <a:rPr lang="en-US" dirty="0"/>
+              <a:t>You will be running into problems, </a:t>
+            </a:r>
+          </a:p>
+          <a:p>
+            <a:pPr marL="0" indent="0">
+              <a:buNone/>
+            </a:pPr>
+            <a:endParaRPr lang="en-US" dirty="0"/>
+          </a:p>
+          <a:p>
+            <a:pPr marL="0" indent="0">
+              <a:buNone/>
+            </a:pPr>
+            <a:r>
+              <a:rPr lang="en-US" sz="6000" i="1" dirty="0"/>
+              <a:t>			Don’t Worry!!!!</a:t>
+            </a:r>
+          </a:p>
+          <a:p>
+            <a:pPr marL="0" indent="0">
+              <a:buNone/>
+            </a:pPr>
+            <a:endParaRPr lang="en-US" sz="6000" i="1" dirty="0"/>
+          </a:p>
+          <a:p>
+            <a:pPr marL="0" indent="0">
+              <a:buNone/>
+            </a:pPr>
+            <a:r>
+              <a:rPr lang="en-US" dirty="0"/>
+              <a:t>I will write code that doesn’t work (almost every day)! </a:t>
+            </a:r>
+          </a:p>
+        </p:txBody>
+      </p:sp>
+      <p:sp>
+        <p:nvSpPr>
+          <p:cNvPr id="4" name="Slide Number Placeholder 3"/>
+          <p:cNvSpPr>
+            <a:spLocks noGrp="1"/>
+          </p:cNvSpPr>
+          <p:nvPr>
+            <p:ph type="sldNum" sz="quarter" idx="12"/>
+          </p:nvPr>
+        </p:nvSpPr>
+        <p:spPr/>
+        <p:txBody>
+          <a:bodyPr/>
+          <a:lstStyle/>
+          <a:p>
+            <a:fld id="{48F63A3B-78C7-47BE-AE5E-E10140E04643}" type="slidenum">
+              <a:rPr lang="en-US" smtClean="0"/>
+              <a:t>33</a:t>
+            </a:fld>
+            <a:endParaRPr lang="en-US" dirty="0"/>
+          </a:p>
+        </p:txBody>
+      </p:sp>
+    </p:spTree>
+    <p:extLst>
+      <p:ext uri="{BB962C8B-B14F-4D97-AF65-F5344CB8AC3E}">
+        <p14:creationId xmlns:p14="http://schemas.microsoft.com/office/powerpoint/2010/main" val="1799748238"/>
+      </p:ext>
+    </p:extLst>
+  </p:cSld>
+  <p:clrMapOvr>
+    <a:masterClrMapping/>
+  </p:clrMapOvr>
+</p:sld>
+</file>
+
+<file path=ppt/slides/slide34.xml><?xml version="1.0" encoding="utf-8"?>
+<p:sld xmlns:a="http://schemas.openxmlformats.org/drawingml/2006/main" xmlns:r="http://schemas.openxmlformats.org/officeDocument/2006/relationships" xmlns:p="http://schemas.openxmlformats.org/presentationml/2006/main">
+  <p:cSld>
+    <p:spTree>
+      <p:nvGrpSpPr>
+        <p:cNvPr id="1" name=""/>
+        <p:cNvGrpSpPr/>
+        <p:nvPr/>
+      </p:nvGrpSpPr>
+      <p:grpSpPr>
+        <a:xfrm>
+          <a:off x="0" y="0"/>
+          <a:ext cx="0" cy="0"/>
+          <a:chOff x="0" y="0"/>
+          <a:chExt cx="0" cy="0"/>
+        </a:xfrm>
+      </p:grpSpPr>
+      <p:sp>
+        <p:nvSpPr>
+          <p:cNvPr id="2" name="Title 1"/>
+          <p:cNvSpPr>
+            <a:spLocks noGrp="1"/>
+          </p:cNvSpPr>
+          <p:nvPr>
+            <p:ph type="title"/>
+          </p:nvPr>
+        </p:nvSpPr>
+        <p:spPr/>
+        <p:txBody>
+          <a:bodyPr/>
+          <a:lstStyle/>
+          <a:p>
+            <a:endParaRPr lang="en-US"/>
+          </a:p>
+        </p:txBody>
+      </p:sp>
+      <p:sp>
+        <p:nvSpPr>
+          <p:cNvPr id="3" name="Content Placeholder 2"/>
+          <p:cNvSpPr>
+            <a:spLocks noGrp="1"/>
+          </p:cNvSpPr>
+          <p:nvPr>
+            <p:ph idx="1"/>
+          </p:nvPr>
+        </p:nvSpPr>
+        <p:spPr/>
+        <p:txBody>
+          <a:bodyPr>
+            <a:normAutofit fontScale="92500" lnSpcReduction="20000"/>
+          </a:bodyPr>
+          <a:lstStyle/>
+          <a:p>
+            <a:pPr marL="0" indent="0">
+              <a:buNone/>
+            </a:pPr>
+            <a:r>
+              <a:rPr lang="en-US" b="1" dirty="0"/>
+              <a:t>Step 1: </a:t>
+            </a:r>
+          </a:p>
+          <a:p>
+            <a:pPr marL="0" indent="0">
+              <a:buNone/>
+            </a:pPr>
+            <a:endParaRPr lang="en-US" b="1" dirty="0"/>
+          </a:p>
+          <a:p>
+            <a:pPr marL="0" indent="0">
+              <a:buNone/>
+            </a:pPr>
+            <a:r>
+              <a:rPr lang="en-US" dirty="0"/>
+              <a:t>Carefully compare the code that you are running to the code in my examples or the code that you find online.</a:t>
+            </a:r>
+          </a:p>
+          <a:p>
+            <a:pPr marL="0" indent="0">
+              <a:buNone/>
+            </a:pPr>
+            <a:endParaRPr lang="en-US" dirty="0"/>
+          </a:p>
+          <a:p>
+            <a:r>
+              <a:rPr lang="en-US" dirty="0"/>
+              <a:t>R is extremely picky, and a misplaced character can make all the difference</a:t>
+            </a:r>
+          </a:p>
+          <a:p>
+            <a:r>
+              <a:rPr lang="en-US" dirty="0"/>
+              <a:t>Make sure that every ( is matched with a ), and every “ is paired with another “. </a:t>
+            </a:r>
+          </a:p>
+          <a:p>
+            <a:r>
+              <a:rPr lang="en-US" dirty="0"/>
+              <a:t>Sometimes you’ll run the code and nothing happens. Check the left-hand side of your console: if it’s a +, it means that R doesn’t think you’ve typed a complete expression and its waiting for you to finish it. Press </a:t>
+            </a:r>
+            <a:r>
+              <a:rPr lang="en-US" b="1" dirty="0"/>
+              <a:t>Esc </a:t>
+            </a:r>
+            <a:r>
+              <a:rPr lang="en-US" dirty="0"/>
+              <a:t>to abort processing the current command and restart!</a:t>
+            </a:r>
+            <a:endParaRPr lang="en-US" b="1" dirty="0"/>
+          </a:p>
+        </p:txBody>
+      </p:sp>
+      <p:sp>
+        <p:nvSpPr>
+          <p:cNvPr id="4" name="Slide Number Placeholder 3"/>
+          <p:cNvSpPr>
+            <a:spLocks noGrp="1"/>
+          </p:cNvSpPr>
+          <p:nvPr>
+            <p:ph type="sldNum" sz="quarter" idx="12"/>
+          </p:nvPr>
+        </p:nvSpPr>
+        <p:spPr/>
+        <p:txBody>
+          <a:bodyPr/>
+          <a:lstStyle/>
+          <a:p>
+            <a:fld id="{48F63A3B-78C7-47BE-AE5E-E10140E04643}" type="slidenum">
+              <a:rPr lang="en-US" smtClean="0"/>
+              <a:t>34</a:t>
+            </a:fld>
+            <a:endParaRPr lang="en-US" dirty="0"/>
+          </a:p>
+        </p:txBody>
+      </p:sp>
+    </p:spTree>
+    <p:extLst>
+      <p:ext uri="{BB962C8B-B14F-4D97-AF65-F5344CB8AC3E}">
+        <p14:creationId xmlns:p14="http://schemas.microsoft.com/office/powerpoint/2010/main" val="3443437172"/>
+      </p:ext>
+    </p:extLst>
+  </p:cSld>
+  <p:clrMapOvr>
+    <a:masterClrMapping/>
+  </p:clrMapOvr>
+</p:sld>
+</file>
+
+<file path=ppt/slides/slide35.xml><?xml version="1.0" encoding="utf-8"?>
+<p:sld xmlns:a="http://schemas.openxmlformats.org/drawingml/2006/main" xmlns:r="http://schemas.openxmlformats.org/officeDocument/2006/relationships" xmlns:p="http://schemas.openxmlformats.org/presentationml/2006/main">
+  <p:cSld>
+    <p:spTree>
+      <p:nvGrpSpPr>
+        <p:cNvPr id="1" name=""/>
+        <p:cNvGrpSpPr/>
+        <p:nvPr/>
+      </p:nvGrpSpPr>
+      <p:grpSpPr>
+        <a:xfrm>
+          <a:off x="0" y="0"/>
+          <a:ext cx="0" cy="0"/>
+          <a:chOff x="0" y="0"/>
+          <a:chExt cx="0" cy="0"/>
+        </a:xfrm>
+      </p:grpSpPr>
+      <p:sp>
+        <p:nvSpPr>
+          <p:cNvPr id="2" name="Title 1"/>
+          <p:cNvSpPr>
+            <a:spLocks noGrp="1"/>
+          </p:cNvSpPr>
+          <p:nvPr>
+            <p:ph type="title"/>
+          </p:nvPr>
+        </p:nvSpPr>
+        <p:spPr/>
+        <p:txBody>
+          <a:bodyPr/>
+          <a:lstStyle/>
+          <a:p>
+            <a:endParaRPr lang="en-US"/>
+          </a:p>
+        </p:txBody>
+      </p:sp>
+      <p:sp>
+        <p:nvSpPr>
+          <p:cNvPr id="3" name="Content Placeholder 2"/>
+          <p:cNvSpPr>
+            <a:spLocks noGrp="1"/>
+          </p:cNvSpPr>
+          <p:nvPr>
+            <p:ph idx="1"/>
+          </p:nvPr>
+        </p:nvSpPr>
+        <p:spPr/>
+        <p:txBody>
+          <a:bodyPr/>
+          <a:lstStyle/>
+          <a:p>
+            <a:r>
+              <a:rPr lang="en-US" b="1" dirty="0"/>
+              <a:t>Step 2.</a:t>
+            </a:r>
+          </a:p>
+          <a:p>
+            <a:endParaRPr lang="en-US" b="1" dirty="0"/>
+          </a:p>
+          <a:p>
+            <a:pPr marL="0" indent="0">
+              <a:buNone/>
+            </a:pPr>
+            <a:r>
+              <a:rPr lang="en-US" dirty="0"/>
+              <a:t>If you are still stuck, try the help. Get help about any R function by running ?</a:t>
+            </a:r>
+            <a:r>
+              <a:rPr lang="en-US" dirty="0" err="1"/>
+              <a:t>function_name</a:t>
+            </a:r>
+            <a:r>
+              <a:rPr lang="en-US" dirty="0"/>
+              <a:t> in the console, or selecting the function name and pressing F1 in </a:t>
+            </a:r>
+            <a:r>
+              <a:rPr lang="en-US" dirty="0" err="1"/>
+              <a:t>Rstudio</a:t>
+            </a:r>
+            <a:r>
+              <a:rPr lang="en-US" dirty="0"/>
+              <a:t>. </a:t>
+            </a:r>
+          </a:p>
+          <a:p>
+            <a:pPr marL="0" indent="0">
+              <a:buNone/>
+            </a:pPr>
+            <a:endParaRPr lang="en-US" dirty="0"/>
+          </a:p>
+          <a:p>
+            <a:pPr marL="0" indent="0">
+              <a:buNone/>
+            </a:pPr>
+            <a:r>
+              <a:rPr lang="en-US" dirty="0"/>
+              <a:t>Don’t worry if the help doesn’t seem that helpful </a:t>
+            </a:r>
+            <a:r>
+              <a:rPr lang="mr-IN" dirty="0"/>
+              <a:t>–</a:t>
+            </a:r>
+            <a:r>
+              <a:rPr lang="en-US" dirty="0"/>
+              <a:t> instead skip down to the examples an look for code that matches what you’re trying to do. </a:t>
+            </a:r>
+          </a:p>
+        </p:txBody>
+      </p:sp>
+      <p:sp>
+        <p:nvSpPr>
+          <p:cNvPr id="4" name="Slide Number Placeholder 3"/>
+          <p:cNvSpPr>
+            <a:spLocks noGrp="1"/>
+          </p:cNvSpPr>
+          <p:nvPr>
+            <p:ph type="sldNum" sz="quarter" idx="12"/>
+          </p:nvPr>
+        </p:nvSpPr>
+        <p:spPr/>
+        <p:txBody>
+          <a:bodyPr/>
+          <a:lstStyle/>
+          <a:p>
+            <a:fld id="{48F63A3B-78C7-47BE-AE5E-E10140E04643}" type="slidenum">
+              <a:rPr lang="en-US" smtClean="0"/>
+              <a:t>35</a:t>
+            </a:fld>
+            <a:endParaRPr lang="en-US" dirty="0"/>
+          </a:p>
+        </p:txBody>
+      </p:sp>
+    </p:spTree>
+    <p:extLst>
+      <p:ext uri="{BB962C8B-B14F-4D97-AF65-F5344CB8AC3E}">
+        <p14:creationId xmlns:p14="http://schemas.microsoft.com/office/powerpoint/2010/main" val="161206718"/>
+      </p:ext>
+    </p:extLst>
+  </p:cSld>
+  <p:clrMapOvr>
+    <a:masterClrMapping/>
+  </p:clrMapOvr>
+</p:sld>
+</file>
+
+<file path=ppt/slides/slide36.xml><?xml version="1.0" encoding="utf-8"?>
+<p:sld xmlns:a="http://schemas.openxmlformats.org/drawingml/2006/main" xmlns:r="http://schemas.openxmlformats.org/officeDocument/2006/relationships" xmlns:p="http://schemas.openxmlformats.org/presentationml/2006/main">
+  <p:cSld>
+    <p:spTree>
+      <p:nvGrpSpPr>
+        <p:cNvPr id="1" name=""/>
+        <p:cNvGrpSpPr/>
+        <p:nvPr/>
+      </p:nvGrpSpPr>
+      <p:grpSpPr>
+        <a:xfrm>
+          <a:off x="0" y="0"/>
+          <a:ext cx="0" cy="0"/>
+          <a:chOff x="0" y="0"/>
+          <a:chExt cx="0" cy="0"/>
+        </a:xfrm>
+      </p:grpSpPr>
+      <p:sp>
+        <p:nvSpPr>
+          <p:cNvPr id="2" name="Title 1"/>
+          <p:cNvSpPr>
+            <a:spLocks noGrp="1"/>
+          </p:cNvSpPr>
+          <p:nvPr>
+            <p:ph type="title"/>
+          </p:nvPr>
+        </p:nvSpPr>
+        <p:spPr/>
+        <p:txBody>
+          <a:bodyPr/>
+          <a:lstStyle/>
+          <a:p>
+            <a:endParaRPr lang="en-US"/>
+          </a:p>
+        </p:txBody>
+      </p:sp>
+      <p:sp>
+        <p:nvSpPr>
+          <p:cNvPr id="3" name="Content Placeholder 2"/>
+          <p:cNvSpPr>
+            <a:spLocks noGrp="1"/>
+          </p:cNvSpPr>
+          <p:nvPr>
+            <p:ph idx="1"/>
+          </p:nvPr>
+        </p:nvSpPr>
+        <p:spPr/>
+        <p:txBody>
+          <a:bodyPr>
+            <a:normAutofit fontScale="92500" lnSpcReduction="10000"/>
+          </a:bodyPr>
+          <a:lstStyle/>
+          <a:p>
+            <a:pPr marL="0" indent="0">
+              <a:buNone/>
+            </a:pPr>
+            <a:r>
+              <a:rPr lang="en-US" b="1" dirty="0"/>
+              <a:t>Stage 3</a:t>
+            </a:r>
+          </a:p>
+          <a:p>
+            <a:pPr marL="0" indent="0">
+              <a:buNone/>
+            </a:pPr>
+            <a:endParaRPr lang="en-US" dirty="0"/>
+          </a:p>
+          <a:p>
+            <a:pPr marL="0" indent="0">
+              <a:buNone/>
+            </a:pPr>
+            <a:r>
+              <a:rPr lang="en-US" dirty="0"/>
+              <a:t>Carefully read the error message. Sometimes the answer will be buried there! </a:t>
+            </a:r>
+          </a:p>
+          <a:p>
+            <a:pPr marL="0" indent="0">
+              <a:buNone/>
+            </a:pPr>
+            <a:endParaRPr lang="en-US" dirty="0"/>
+          </a:p>
+          <a:p>
+            <a:pPr marL="0" indent="0">
+              <a:buNone/>
+            </a:pPr>
+            <a:r>
+              <a:rPr lang="en-US" dirty="0"/>
+              <a:t>Try to understand it. For example, such variable does not exist in the data</a:t>
+            </a:r>
+            <a:r>
+              <a:rPr lang="mr-IN" dirty="0"/>
+              <a:t>…</a:t>
+            </a:r>
+            <a:r>
+              <a:rPr lang="en-US" dirty="0"/>
+              <a:t> That means that it does not exist! Or, at least R does not recognize it!</a:t>
+            </a:r>
+          </a:p>
+          <a:p>
+            <a:pPr marL="0" indent="0">
+              <a:buNone/>
+            </a:pPr>
+            <a:endParaRPr lang="en-US" dirty="0"/>
+          </a:p>
+          <a:p>
+            <a:pPr marL="0" indent="0">
+              <a:buNone/>
+            </a:pPr>
+            <a:r>
+              <a:rPr lang="en-US" dirty="0"/>
+              <a:t>Try to </a:t>
+            </a:r>
+            <a:r>
+              <a:rPr lang="en-US" dirty="0" err="1"/>
+              <a:t>google</a:t>
+            </a:r>
+            <a:r>
+              <a:rPr lang="en-US" dirty="0"/>
+              <a:t> it by copying and pasting the same error message with “</a:t>
+            </a:r>
+            <a:r>
+              <a:rPr lang="mr-IN" dirty="0"/>
+              <a:t>…</a:t>
+            </a:r>
+            <a:r>
+              <a:rPr lang="en-US" dirty="0"/>
+              <a:t>..”. Leave out any case-specific things in the search. For example, a particular variable name is useless in </a:t>
+            </a:r>
+            <a:r>
+              <a:rPr lang="en-US"/>
+              <a:t>this case. </a:t>
+            </a:r>
+            <a:endParaRPr lang="en-US" dirty="0"/>
+          </a:p>
+        </p:txBody>
+      </p:sp>
+      <p:sp>
+        <p:nvSpPr>
+          <p:cNvPr id="4" name="Slide Number Placeholder 3"/>
+          <p:cNvSpPr>
+            <a:spLocks noGrp="1"/>
+          </p:cNvSpPr>
+          <p:nvPr>
+            <p:ph type="sldNum" sz="quarter" idx="12"/>
+          </p:nvPr>
+        </p:nvSpPr>
+        <p:spPr/>
+        <p:txBody>
+          <a:bodyPr/>
+          <a:lstStyle/>
+          <a:p>
+            <a:fld id="{48F63A3B-78C7-47BE-AE5E-E10140E04643}" type="slidenum">
+              <a:rPr lang="en-US" smtClean="0"/>
+              <a:t>36</a:t>
+            </a:fld>
+            <a:endParaRPr lang="en-US" dirty="0"/>
+          </a:p>
+        </p:txBody>
+      </p:sp>
+    </p:spTree>
+    <p:extLst>
+      <p:ext uri="{BB962C8B-B14F-4D97-AF65-F5344CB8AC3E}">
+        <p14:creationId xmlns:p14="http://schemas.microsoft.com/office/powerpoint/2010/main" val="48800480"/>
       </p:ext>
     </p:extLst>
   </p:cSld>
@@ -8558,7 +9157,7 @@
   <a:extraClrSchemeLst/>
   <a:extLst>
     <a:ext uri="{05A4C25C-085E-4340-85A3-A5531E510DB2}">
-      <thm15:themeFamily xmlns:thm15="http://schemas.microsoft.com/office/thememl/2012/main" xmlns="" name="Office Theme" id="{62F939B6-93AF-4DB8-9C6B-D6C7DFDC589F}" vid="{4A3C46E8-61CC-4603-A589-7422A47A8E4A}"/>
+      <thm15:themeFamily xmlns="" xmlns:thm15="http://schemas.microsoft.com/office/thememl/2012/main" name="Office Theme" id="{62F939B6-93AF-4DB8-9C6B-D6C7DFDC589F}" vid="{4A3C46E8-61CC-4603-A589-7422A47A8E4A}"/>
     </a:ext>
   </a:extLst>
 </a:theme>
